--- a/UI Development/HTML/Javascript/Javascript2.pptx
+++ b/UI Development/HTML/Javascript/Javascript2.pptx
@@ -18,6 +18,7 @@
     <p:sldId id="266" r:id="rId12"/>
     <p:sldId id="267" r:id="rId13"/>
     <p:sldId id="268" r:id="rId14"/>
+    <p:sldId id="269" r:id="rId15"/>
   </p:sldIdLst>
   <p:sldSz cx="12192000" cy="6858000"/>
   <p:notesSz cx="6858000" cy="9144000"/>
@@ -846,7 +847,7 @@
           <a:p>
             <a:fld id="{339FB409-115C-4464-AA6D-93239CC4DCC2}" type="datetimeFigureOut">
               <a:rPr lang="en-US" smtClean="0"/>
-              <a:t>7/23/2018</a:t>
+              <a:t>7/27/2018</a:t>
             </a:fld>
             <a:endParaRPr lang="en-US"/>
           </a:p>
@@ -1097,7 +1098,7 @@
           <a:p>
             <a:fld id="{339FB409-115C-4464-AA6D-93239CC4DCC2}" type="datetimeFigureOut">
               <a:rPr lang="en-US" smtClean="0"/>
-              <a:t>7/23/2018</a:t>
+              <a:t>7/27/2018</a:t>
             </a:fld>
             <a:endParaRPr lang="en-US"/>
           </a:p>
@@ -1411,7 +1412,7 @@
           <a:p>
             <a:fld id="{339FB409-115C-4464-AA6D-93239CC4DCC2}" type="datetimeFigureOut">
               <a:rPr lang="en-US" smtClean="0"/>
-              <a:t>7/23/2018</a:t>
+              <a:t>7/27/2018</a:t>
             </a:fld>
             <a:endParaRPr lang="en-US"/>
           </a:p>
@@ -1752,7 +1753,7 @@
           <a:p>
             <a:fld id="{339FB409-115C-4464-AA6D-93239CC4DCC2}" type="datetimeFigureOut">
               <a:rPr lang="en-US" smtClean="0"/>
-              <a:t>7/23/2018</a:t>
+              <a:t>7/27/2018</a:t>
             </a:fld>
             <a:endParaRPr lang="en-US"/>
           </a:p>
@@ -2066,7 +2067,7 @@
           <a:p>
             <a:fld id="{339FB409-115C-4464-AA6D-93239CC4DCC2}" type="datetimeFigureOut">
               <a:rPr lang="en-US" smtClean="0"/>
-              <a:t>7/23/2018</a:t>
+              <a:t>7/27/2018</a:t>
             </a:fld>
             <a:endParaRPr lang="en-US"/>
           </a:p>
@@ -2459,7 +2460,7 @@
           <a:p>
             <a:fld id="{339FB409-115C-4464-AA6D-93239CC4DCC2}" type="datetimeFigureOut">
               <a:rPr lang="en-US" smtClean="0"/>
-              <a:t>7/23/2018</a:t>
+              <a:t>7/27/2018</a:t>
             </a:fld>
             <a:endParaRPr lang="en-US"/>
           </a:p>
@@ -2629,7 +2630,7 @@
           <a:p>
             <a:fld id="{339FB409-115C-4464-AA6D-93239CC4DCC2}" type="datetimeFigureOut">
               <a:rPr lang="en-US" smtClean="0"/>
-              <a:t>7/23/2018</a:t>
+              <a:t>7/27/2018</a:t>
             </a:fld>
             <a:endParaRPr lang="en-US"/>
           </a:p>
@@ -2809,7 +2810,7 @@
           <a:p>
             <a:fld id="{339FB409-115C-4464-AA6D-93239CC4DCC2}" type="datetimeFigureOut">
               <a:rPr lang="en-US" smtClean="0"/>
-              <a:t>7/23/2018</a:t>
+              <a:t>7/27/2018</a:t>
             </a:fld>
             <a:endParaRPr lang="en-US"/>
           </a:p>
@@ -2985,7 +2986,7 @@
           <a:p>
             <a:fld id="{339FB409-115C-4464-AA6D-93239CC4DCC2}" type="datetimeFigureOut">
               <a:rPr lang="en-US" smtClean="0"/>
-              <a:t>7/23/2018</a:t>
+              <a:t>7/27/2018</a:t>
             </a:fld>
             <a:endParaRPr lang="en-US"/>
           </a:p>
@@ -3232,7 +3233,7 @@
           <a:p>
             <a:fld id="{339FB409-115C-4464-AA6D-93239CC4DCC2}" type="datetimeFigureOut">
               <a:rPr lang="en-US" smtClean="0"/>
-              <a:t>7/23/2018</a:t>
+              <a:t>7/27/2018</a:t>
             </a:fld>
             <a:endParaRPr lang="en-US"/>
           </a:p>
@@ -3464,7 +3465,7 @@
           <a:p>
             <a:fld id="{339FB409-115C-4464-AA6D-93239CC4DCC2}" type="datetimeFigureOut">
               <a:rPr lang="en-US" smtClean="0"/>
-              <a:t>7/23/2018</a:t>
+              <a:t>7/27/2018</a:t>
             </a:fld>
             <a:endParaRPr lang="en-US"/>
           </a:p>
@@ -3838,7 +3839,7 @@
           <a:p>
             <a:fld id="{339FB409-115C-4464-AA6D-93239CC4DCC2}" type="datetimeFigureOut">
               <a:rPr lang="en-US" smtClean="0"/>
-              <a:t>7/23/2018</a:t>
+              <a:t>7/27/2018</a:t>
             </a:fld>
             <a:endParaRPr lang="en-US"/>
           </a:p>
@@ -3961,7 +3962,7 @@
           <a:p>
             <a:fld id="{339FB409-115C-4464-AA6D-93239CC4DCC2}" type="datetimeFigureOut">
               <a:rPr lang="en-US" smtClean="0"/>
-              <a:t>7/23/2018</a:t>
+              <a:t>7/27/2018</a:t>
             </a:fld>
             <a:endParaRPr lang="en-US"/>
           </a:p>
@@ -4056,7 +4057,7 @@
           <a:p>
             <a:fld id="{339FB409-115C-4464-AA6D-93239CC4DCC2}" type="datetimeFigureOut">
               <a:rPr lang="en-US" smtClean="0"/>
-              <a:t>7/23/2018</a:t>
+              <a:t>7/27/2018</a:t>
             </a:fld>
             <a:endParaRPr lang="en-US"/>
           </a:p>
@@ -4311,7 +4312,7 @@
           <a:p>
             <a:fld id="{339FB409-115C-4464-AA6D-93239CC4DCC2}" type="datetimeFigureOut">
               <a:rPr lang="en-US" smtClean="0"/>
-              <a:t>7/23/2018</a:t>
+              <a:t>7/27/2018</a:t>
             </a:fld>
             <a:endParaRPr lang="en-US"/>
           </a:p>
@@ -4574,7 +4575,7 @@
           <a:p>
             <a:fld id="{339FB409-115C-4464-AA6D-93239CC4DCC2}" type="datetimeFigureOut">
               <a:rPr lang="en-US" smtClean="0"/>
-              <a:t>7/23/2018</a:t>
+              <a:t>7/27/2018</a:t>
             </a:fld>
             <a:endParaRPr lang="en-US"/>
           </a:p>
@@ -5317,7 +5318,7 @@
           <a:p>
             <a:fld id="{339FB409-115C-4464-AA6D-93239CC4DCC2}" type="datetimeFigureOut">
               <a:rPr lang="en-US" smtClean="0"/>
-              <a:t>7/23/2018</a:t>
+              <a:t>7/27/2018</a:t>
             </a:fld>
             <a:endParaRPr lang="en-US"/>
           </a:p>
@@ -8007,6 +8008,99 @@
     <p:extLst>
       <p:ext uri="{BB962C8B-B14F-4D97-AF65-F5344CB8AC3E}">
         <p14:creationId xmlns:p14="http://schemas.microsoft.com/office/powerpoint/2010/main" val="4144276240"/>
+      </p:ext>
+    </p:extLst>
+  </p:cSld>
+  <p:clrMapOvr>
+    <a:masterClrMapping/>
+  </p:clrMapOvr>
+</p:sld>
+</file>
+
+<file path=ppt/slides/slide14.xml><?xml version="1.0" encoding="utf-8"?>
+<p:sld xmlns:a="http://schemas.openxmlformats.org/drawingml/2006/main" xmlns:r="http://schemas.openxmlformats.org/officeDocument/2006/relationships" xmlns:p="http://schemas.openxmlformats.org/presentationml/2006/main">
+  <p:cSld>
+    <p:spTree>
+      <p:nvGrpSpPr>
+        <p:cNvPr id="1" name=""/>
+        <p:cNvGrpSpPr/>
+        <p:nvPr/>
+      </p:nvGrpSpPr>
+      <p:grpSpPr>
+        <a:xfrm>
+          <a:off x="0" y="0"/>
+          <a:ext cx="0" cy="0"/>
+          <a:chOff x="0" y="0"/>
+          <a:chExt cx="0" cy="0"/>
+        </a:xfrm>
+      </p:grpSpPr>
+      <p:sp>
+        <p:nvSpPr>
+          <p:cNvPr id="2" name="Title 1">
+            <a:extLst>
+              <a:ext uri="{FF2B5EF4-FFF2-40B4-BE49-F238E27FC236}">
+                <a16:creationId xmlns:a16="http://schemas.microsoft.com/office/drawing/2014/main" id="{6B147EEF-748D-4C8F-9F01-10151F295A68}"/>
+              </a:ext>
+            </a:extLst>
+          </p:cNvPr>
+          <p:cNvSpPr>
+            <a:spLocks noGrp="1"/>
+          </p:cNvSpPr>
+          <p:nvPr>
+            <p:ph type="title"/>
+          </p:nvPr>
+        </p:nvSpPr>
+        <p:spPr>
+          <a:xfrm>
+            <a:off x="677334" y="609600"/>
+            <a:ext cx="8596668" cy="742122"/>
+          </a:xfrm>
+        </p:spPr>
+        <p:txBody>
+          <a:bodyPr/>
+          <a:lstStyle/>
+          <a:p>
+            <a:r>
+              <a:rPr lang="en-US" dirty="0"/>
+              <a:t>Prototyping</a:t>
+            </a:r>
+          </a:p>
+        </p:txBody>
+      </p:sp>
+      <p:sp>
+        <p:nvSpPr>
+          <p:cNvPr id="3" name="Content Placeholder 2">
+            <a:extLst>
+              <a:ext uri="{FF2B5EF4-FFF2-40B4-BE49-F238E27FC236}">
+                <a16:creationId xmlns:a16="http://schemas.microsoft.com/office/drawing/2014/main" id="{ED91F010-89FD-4246-AF05-D24005422FBA}"/>
+              </a:ext>
+            </a:extLst>
+          </p:cNvPr>
+          <p:cNvSpPr>
+            <a:spLocks noGrp="1"/>
+          </p:cNvSpPr>
+          <p:nvPr>
+            <p:ph idx="1"/>
+          </p:nvPr>
+        </p:nvSpPr>
+        <p:spPr>
+          <a:xfrm>
+            <a:off x="677334" y="1351723"/>
+            <a:ext cx="8596668" cy="4689640"/>
+          </a:xfrm>
+        </p:spPr>
+        <p:txBody>
+          <a:bodyPr/>
+          <a:lstStyle/>
+          <a:p>
+            <a:endParaRPr lang="en-US" dirty="0"/>
+          </a:p>
+        </p:txBody>
+      </p:sp>
+    </p:spTree>
+    <p:extLst>
+      <p:ext uri="{BB962C8B-B14F-4D97-AF65-F5344CB8AC3E}">
+        <p14:creationId xmlns:p14="http://schemas.microsoft.com/office/powerpoint/2010/main" val="2026836116"/>
       </p:ext>
     </p:extLst>
   </p:cSld>
